--- a/게임공학과 2012180002 권준범 2차발표.pptx
+++ b/게임공학과 2012180002 권준범 2차발표.pptx
@@ -287,7 +287,7 @@
           <a:p>
             <a:fld id="{38279982-4AB0-4443-AF48-008526811D50}" type="datetimeFigureOut">
               <a:rPr lang="ko-KR" altLang="en-US" smtClean="0"/>
-              <a:t>2015-10-26</a:t>
+              <a:t>2015-11-04</a:t>
             </a:fld>
             <a:endParaRPr lang="ko-KR" altLang="en-US"/>
           </a:p>
@@ -457,7 +457,7 @@
           <a:p>
             <a:fld id="{38279982-4AB0-4443-AF48-008526811D50}" type="datetimeFigureOut">
               <a:rPr lang="ko-KR" altLang="en-US" smtClean="0"/>
-              <a:t>2015-10-26</a:t>
+              <a:t>2015-11-04</a:t>
             </a:fld>
             <a:endParaRPr lang="ko-KR" altLang="en-US"/>
           </a:p>
@@ -632,7 +632,7 @@
           <a:p>
             <a:fld id="{38279982-4AB0-4443-AF48-008526811D50}" type="datetimeFigureOut">
               <a:rPr lang="ko-KR" altLang="en-US" smtClean="0"/>
-              <a:t>2015-10-26</a:t>
+              <a:t>2015-11-04</a:t>
             </a:fld>
             <a:endParaRPr lang="ko-KR" altLang="en-US"/>
           </a:p>
@@ -797,7 +797,7 @@
           <a:p>
             <a:fld id="{38279982-4AB0-4443-AF48-008526811D50}" type="datetimeFigureOut">
               <a:rPr lang="ko-KR" altLang="en-US" smtClean="0"/>
-              <a:t>2015-10-26</a:t>
+              <a:t>2015-11-04</a:t>
             </a:fld>
             <a:endParaRPr lang="ko-KR" altLang="en-US"/>
           </a:p>
@@ -1031,7 +1031,7 @@
           <a:p>
             <a:fld id="{38279982-4AB0-4443-AF48-008526811D50}" type="datetimeFigureOut">
               <a:rPr lang="ko-KR" altLang="en-US" smtClean="0"/>
-              <a:t>2015-10-26</a:t>
+              <a:t>2015-11-04</a:t>
             </a:fld>
             <a:endParaRPr lang="ko-KR" altLang="en-US"/>
           </a:p>
@@ -1327,7 +1327,7 @@
           <a:p>
             <a:fld id="{38279982-4AB0-4443-AF48-008526811D50}" type="datetimeFigureOut">
               <a:rPr lang="ko-KR" altLang="en-US" smtClean="0"/>
-              <a:t>2015-10-26</a:t>
+              <a:t>2015-11-04</a:t>
             </a:fld>
             <a:endParaRPr lang="ko-KR" altLang="en-US"/>
           </a:p>
@@ -1711,7 +1711,7 @@
           <a:p>
             <a:fld id="{38279982-4AB0-4443-AF48-008526811D50}" type="datetimeFigureOut">
               <a:rPr lang="ko-KR" altLang="en-US" smtClean="0"/>
-              <a:t>2015-10-26</a:t>
+              <a:t>2015-11-04</a:t>
             </a:fld>
             <a:endParaRPr lang="ko-KR" altLang="en-US"/>
           </a:p>
@@ -1884,7 +1884,7 @@
           <a:p>
             <a:fld id="{38279982-4AB0-4443-AF48-008526811D50}" type="datetimeFigureOut">
               <a:rPr lang="ko-KR" altLang="en-US" smtClean="0"/>
-              <a:t>2015-10-26</a:t>
+              <a:t>2015-11-04</a:t>
             </a:fld>
             <a:endParaRPr lang="ko-KR" altLang="en-US"/>
           </a:p>
@@ -1974,7 +1974,7 @@
           <a:p>
             <a:fld id="{38279982-4AB0-4443-AF48-008526811D50}" type="datetimeFigureOut">
               <a:rPr lang="ko-KR" altLang="en-US" smtClean="0"/>
-              <a:t>2015-10-26</a:t>
+              <a:t>2015-11-04</a:t>
             </a:fld>
             <a:endParaRPr lang="ko-KR" altLang="en-US"/>
           </a:p>
@@ -2269,7 +2269,7 @@
           <a:p>
             <a:fld id="{38279982-4AB0-4443-AF48-008526811D50}" type="datetimeFigureOut">
               <a:rPr lang="ko-KR" altLang="en-US" smtClean="0"/>
-              <a:t>2015-10-26</a:t>
+              <a:t>2015-11-04</a:t>
             </a:fld>
             <a:endParaRPr lang="ko-KR" altLang="en-US"/>
           </a:p>
@@ -2403,7 +2403,7 @@
           <a:p>
             <a:fld id="{38279982-4AB0-4443-AF48-008526811D50}" type="datetimeFigureOut">
               <a:rPr lang="ko-KR" altLang="en-US" smtClean="0"/>
-              <a:t>2015-10-26</a:t>
+              <a:t>2015-11-04</a:t>
             </a:fld>
             <a:endParaRPr lang="ko-KR" altLang="en-US"/>
           </a:p>
@@ -2706,7 +2706,7 @@
           <a:p>
             <a:fld id="{38279982-4AB0-4443-AF48-008526811D50}" type="datetimeFigureOut">
               <a:rPr lang="ko-KR" altLang="en-US" smtClean="0"/>
-              <a:t>2015-10-26</a:t>
+              <a:t>2015-11-04</a:t>
             </a:fld>
             <a:endParaRPr lang="ko-KR" altLang="en-US"/>
           </a:p>
@@ -4622,11 +4622,7 @@
                       </a:r>
                       <a:r>
                         <a:rPr lang="ko-KR" altLang="en-US" sz="1400" baseline="0" dirty="0" smtClean="0"/>
-                        <a:t>아군 오브젝트 움직임 </a:t>
-                      </a:r>
-                      <a:r>
-                        <a:rPr lang="ko-KR" altLang="en-US" sz="1400" baseline="0" dirty="0" smtClean="0"/>
-                        <a:t>구현</a:t>
+                        <a:t>아군 오브젝트 움직임 구현</a:t>
                       </a:r>
                       <a:r>
                         <a:rPr lang="en-US" altLang="ko-KR" sz="1400" baseline="0" dirty="0" smtClean="0"/>
@@ -5650,7 +5646,7 @@
             <p:ph idx="1"/>
             <p:extLst>
               <p:ext uri="{D42A27DB-BD31-4B8C-83A1-F6EECF244321}">
-                <p14:modId xmlns:p14="http://schemas.microsoft.com/office/powerpoint/2010/main" val="897754753"/>
+                <p14:modId xmlns:p14="http://schemas.microsoft.com/office/powerpoint/2010/main" val="1704607771"/>
               </p:ext>
             </p:extLst>
           </p:nvPr>
@@ -5851,6 +5847,10 @@
                     <a:lstStyle/>
                     <a:p>
                       <a:pPr algn="ctr" latinLnBrk="1"/>
+                      <a:r>
+                        <a:rPr lang="en-US" altLang="ko-KR" dirty="0" smtClean="0"/>
+                        <a:t>A</a:t>
+                      </a:r>
                       <a:endParaRPr lang="ko-KR" altLang="en-US" dirty="0"/>
                     </a:p>
                   </a:txBody>
